--- a/clases/Cap02_Geometria/presentaciones/CV02_Transformation2D.pptx
+++ b/clases/Cap02_Geometria/presentaciones/CV02_Transformation2D.pptx
@@ -5,7 +5,7 @@
     <p:sldMasterId id="2147483648" r:id="rId1"/>
   </p:sldMasterIdLst>
   <p:notesMasterIdLst>
-    <p:notesMasterId r:id="rId13"/>
+    <p:notesMasterId r:id="rId12"/>
   </p:notesMasterIdLst>
   <p:sldIdLst>
     <p:sldId id="442" r:id="rId2"/>
@@ -18,7 +18,6 @@
     <p:sldId id="446" r:id="rId9"/>
     <p:sldId id="447" r:id="rId10"/>
     <p:sldId id="452" r:id="rId11"/>
-    <p:sldId id="453" r:id="rId12"/>
   </p:sldIdLst>
   <p:sldSz cx="9144000" cy="6858000" type="screen4x3"/>
   <p:notesSz cx="6858000" cy="9144000"/>
@@ -218,7 +217,7 @@
           <a:p>
             <a:fld id="{089CB84B-3086-824D-91F5-F571CFDD3E7D}" type="datetimeFigureOut">
               <a:rPr lang="en-US" smtClean="0"/>
-              <a:t>7/26/19</a:t>
+              <a:t>8/26/21</a:t>
             </a:fld>
             <a:endParaRPr lang="en-US"/>
           </a:p>
@@ -1621,7 +1620,7 @@
           <a:p>
             <a:fld id="{D3AE09B4-90D0-1245-B83D-B1B2932963E4}" type="datetimeFigureOut">
               <a:rPr lang="en-US" smtClean="0"/>
-              <a:t>7/26/19</a:t>
+              <a:t>8/26/21</a:t>
             </a:fld>
             <a:endParaRPr lang="en-US"/>
           </a:p>
@@ -1791,7 +1790,7 @@
           <a:p>
             <a:fld id="{D3AE09B4-90D0-1245-B83D-B1B2932963E4}" type="datetimeFigureOut">
               <a:rPr lang="en-US" smtClean="0"/>
-              <a:t>7/26/19</a:t>
+              <a:t>8/26/21</a:t>
             </a:fld>
             <a:endParaRPr lang="en-US"/>
           </a:p>
@@ -1971,7 +1970,7 @@
           <a:p>
             <a:fld id="{D3AE09B4-90D0-1245-B83D-B1B2932963E4}" type="datetimeFigureOut">
               <a:rPr lang="en-US" smtClean="0"/>
-              <a:t>7/26/19</a:t>
+              <a:t>8/26/21</a:t>
             </a:fld>
             <a:endParaRPr lang="en-US"/>
           </a:p>
@@ -2141,7 +2140,7 @@
           <a:p>
             <a:fld id="{D3AE09B4-90D0-1245-B83D-B1B2932963E4}" type="datetimeFigureOut">
               <a:rPr lang="en-US" smtClean="0"/>
-              <a:t>7/26/19</a:t>
+              <a:t>8/26/21</a:t>
             </a:fld>
             <a:endParaRPr lang="en-US"/>
           </a:p>
@@ -2387,7 +2386,7 @@
           <a:p>
             <a:fld id="{D3AE09B4-90D0-1245-B83D-B1B2932963E4}" type="datetimeFigureOut">
               <a:rPr lang="en-US" smtClean="0"/>
-              <a:t>7/26/19</a:t>
+              <a:t>8/26/21</a:t>
             </a:fld>
             <a:endParaRPr lang="en-US"/>
           </a:p>
@@ -2675,7 +2674,7 @@
           <a:p>
             <a:fld id="{D3AE09B4-90D0-1245-B83D-B1B2932963E4}" type="datetimeFigureOut">
               <a:rPr lang="en-US" smtClean="0"/>
-              <a:t>7/26/19</a:t>
+              <a:t>8/26/21</a:t>
             </a:fld>
             <a:endParaRPr lang="en-US"/>
           </a:p>
@@ -3097,7 +3096,7 @@
           <a:p>
             <a:fld id="{D3AE09B4-90D0-1245-B83D-B1B2932963E4}" type="datetimeFigureOut">
               <a:rPr lang="en-US" smtClean="0"/>
-              <a:t>7/26/19</a:t>
+              <a:t>8/26/21</a:t>
             </a:fld>
             <a:endParaRPr lang="en-US"/>
           </a:p>
@@ -3215,7 +3214,7 @@
           <a:p>
             <a:fld id="{D3AE09B4-90D0-1245-B83D-B1B2932963E4}" type="datetimeFigureOut">
               <a:rPr lang="en-US" smtClean="0"/>
-              <a:t>7/26/19</a:t>
+              <a:t>8/26/21</a:t>
             </a:fld>
             <a:endParaRPr lang="en-US"/>
           </a:p>
@@ -3310,7 +3309,7 @@
           <a:p>
             <a:fld id="{D3AE09B4-90D0-1245-B83D-B1B2932963E4}" type="datetimeFigureOut">
               <a:rPr lang="en-US" smtClean="0"/>
-              <a:t>7/26/19</a:t>
+              <a:t>8/26/21</a:t>
             </a:fld>
             <a:endParaRPr lang="en-US"/>
           </a:p>
@@ -3587,7 +3586,7 @@
           <a:p>
             <a:fld id="{D3AE09B4-90D0-1245-B83D-B1B2932963E4}" type="datetimeFigureOut">
               <a:rPr lang="en-US" smtClean="0"/>
-              <a:t>7/26/19</a:t>
+              <a:t>8/26/21</a:t>
             </a:fld>
             <a:endParaRPr lang="en-US"/>
           </a:p>
@@ -3840,7 +3839,7 @@
           <a:p>
             <a:fld id="{D3AE09B4-90D0-1245-B83D-B1B2932963E4}" type="datetimeFigureOut">
               <a:rPr lang="en-US" smtClean="0"/>
-              <a:t>7/26/19</a:t>
+              <a:t>8/26/21</a:t>
             </a:fld>
             <a:endParaRPr lang="en-US"/>
           </a:p>
@@ -4051,7 +4050,7 @@
           <a:p>
             <a:fld id="{D3AE09B4-90D0-1245-B83D-B1B2932963E4}" type="datetimeFigureOut">
               <a:rPr lang="en-US" smtClean="0"/>
-              <a:t>7/26/19</a:t>
+              <a:t>8/26/21</a:t>
             </a:fld>
             <a:endParaRPr lang="en-US"/>
           </a:p>
@@ -6409,128 +6408,6 @@
       <p:bldP spid="16" grpId="0" animBg="1"/>
     </p:bldLst>
   </p:timing>
-</p:sld>
-</file>
-
-<file path=ppt/slides/slide11.xml><?xml version="1.0" encoding="utf-8"?>
-<p:sld xmlns:a="http://schemas.openxmlformats.org/drawingml/2006/main" xmlns:r="http://schemas.openxmlformats.org/officeDocument/2006/relationships" xmlns:p="http://schemas.openxmlformats.org/presentationml/2006/main">
-  <p:cSld>
-    <p:spTree>
-      <p:nvGrpSpPr>
-        <p:cNvPr id="1" name=""/>
-        <p:cNvGrpSpPr/>
-        <p:nvPr/>
-      </p:nvGrpSpPr>
-      <p:grpSpPr>
-        <a:xfrm>
-          <a:off x="0" y="0"/>
-          <a:ext cx="0" cy="0"/>
-          <a:chOff x="0" y="0"/>
-          <a:chExt cx="0" cy="0"/>
-        </a:xfrm>
-      </p:grpSpPr>
-      <p:sp>
-        <p:nvSpPr>
-          <p:cNvPr id="3" name="TextBox 2"/>
-          <p:cNvSpPr txBox="1"/>
-          <p:nvPr/>
-        </p:nvSpPr>
-        <p:spPr>
-          <a:xfrm>
-            <a:off x="1905142" y="2634445"/>
-            <a:ext cx="5409616" cy="1477328"/>
-          </a:xfrm>
-          <a:prstGeom prst="rect">
-            <a:avLst/>
-          </a:prstGeom>
-          <a:noFill/>
-        </p:spPr>
-        <p:txBody>
-          <a:bodyPr wrap="none" rtlCol="0">
-            <a:spAutoFit/>
-          </a:bodyPr>
-          <a:lstStyle/>
-          <a:p>
-            <a:pPr algn="ctr"/>
-            <a:r>
-              <a:rPr lang="en-US" dirty="0">
-                <a:latin typeface="Trebuchet MS"/>
-                <a:cs typeface="Trebuchet MS"/>
-              </a:rPr>
-              <a:t>DEMO in MATLAB</a:t>
-            </a:r>
-          </a:p>
-          <a:p>
-            <a:pPr algn="ctr"/>
-            <a:endParaRPr lang="en-US" dirty="0">
-              <a:latin typeface="Trebuchet MS"/>
-              <a:cs typeface="Trebuchet MS"/>
-            </a:endParaRPr>
-          </a:p>
-          <a:p>
-            <a:pPr algn="ctr"/>
-            <a:r>
-              <a:rPr lang="en-US" dirty="0">
-                <a:latin typeface="Trebuchet MS"/>
-                <a:cs typeface="Trebuchet MS"/>
-              </a:rPr>
-              <a:t>Use </a:t>
-            </a:r>
-            <a:r>
-              <a:rPr lang="en-US" dirty="0" err="1">
-                <a:latin typeface="Trebuchet MS"/>
-                <a:cs typeface="Trebuchet MS"/>
-              </a:rPr>
-              <a:t>Bmv_guihomography</a:t>
-            </a:r>
-            <a:endParaRPr lang="en-US" dirty="0">
-              <a:latin typeface="Trebuchet MS"/>
-              <a:cs typeface="Trebuchet MS"/>
-            </a:endParaRPr>
-          </a:p>
-          <a:p>
-            <a:pPr algn="ctr"/>
-            <a:endParaRPr lang="en-US" dirty="0">
-              <a:latin typeface="Trebuchet MS"/>
-              <a:cs typeface="Trebuchet MS"/>
-            </a:endParaRPr>
-          </a:p>
-          <a:p>
-            <a:pPr algn="ctr"/>
-            <a:r>
-              <a:rPr lang="en-US" dirty="0">
-                <a:latin typeface="Trebuchet MS"/>
-                <a:cs typeface="Trebuchet MS"/>
-              </a:rPr>
-              <a:t>Load image ‘</a:t>
-            </a:r>
-            <a:r>
-              <a:rPr lang="en-US" dirty="0" err="1">
-                <a:latin typeface="Trebuchet MS"/>
-                <a:cs typeface="Trebuchet MS"/>
-              </a:rPr>
-              <a:t>painting.png</a:t>
-            </a:r>
-            <a:r>
-              <a:rPr lang="en-US" dirty="0">
-                <a:latin typeface="Trebuchet MS"/>
-                <a:cs typeface="Trebuchet MS"/>
-              </a:rPr>
-              <a:t>’ from directory ‘images’</a:t>
-            </a:r>
-          </a:p>
-        </p:txBody>
-      </p:sp>
-    </p:spTree>
-    <p:extLst>
-      <p:ext uri="{BB962C8B-B14F-4D97-AF65-F5344CB8AC3E}">
-        <p14:creationId xmlns:p14="http://schemas.microsoft.com/office/powerpoint/2010/main" val="1494992060"/>
-      </p:ext>
-    </p:extLst>
-  </p:cSld>
-  <p:clrMapOvr>
-    <a:masterClrMapping/>
-  </p:clrMapOvr>
 </p:sld>
 </file>
 

--- a/clases/Cap02_Geometria/presentaciones/CV02_Transformation2D.pptx
+++ b/clases/Cap02_Geometria/presentaciones/CV02_Transformation2D.pptx
@@ -217,7 +217,7 @@
           <a:p>
             <a:fld id="{089CB84B-3086-824D-91F5-F571CFDD3E7D}" type="datetimeFigureOut">
               <a:rPr lang="en-US" smtClean="0"/>
-              <a:t>8/26/21</a:t>
+              <a:t>8/27/21</a:t>
             </a:fld>
             <a:endParaRPr lang="en-US"/>
           </a:p>
@@ -618,17 +618,6 @@
           <a:lstStyle/>
           <a:p>
             <a:r>
-              <a:rPr lang="en-US" sz="1200" kern="1200">
-                <a:solidFill>
-                  <a:schemeClr val="tx1"/>
-                </a:solidFill>
-                <a:latin typeface="+mn-lt"/>
-                <a:ea typeface="+mn-ea"/>
-                <a:cs typeface="+mn-cs"/>
-              </a:rPr>
-              <a:t>Affine</a:t>
-            </a:r>
-            <a:r>
               <a:rPr lang="en-US" sz="1200" kern="1200" dirty="0">
                 <a:solidFill>
                   <a:schemeClr val="tx1"/>
@@ -637,7 +626,7 @@
                 <a:ea typeface="+mn-ea"/>
                 <a:cs typeface="+mn-cs"/>
               </a:rPr>
-              <a:t>: In geometry, an </a:t>
+              <a:t>	Affine: In geometry, an </a:t>
             </a:r>
             <a:r>
               <a:rPr lang="en-US" sz="1200" b="1" kern="1200" dirty="0">
@@ -1620,7 +1609,7 @@
           <a:p>
             <a:fld id="{D3AE09B4-90D0-1245-B83D-B1B2932963E4}" type="datetimeFigureOut">
               <a:rPr lang="en-US" smtClean="0"/>
-              <a:t>8/26/21</a:t>
+              <a:t>8/27/21</a:t>
             </a:fld>
             <a:endParaRPr lang="en-US"/>
           </a:p>
@@ -1790,7 +1779,7 @@
           <a:p>
             <a:fld id="{D3AE09B4-90D0-1245-B83D-B1B2932963E4}" type="datetimeFigureOut">
               <a:rPr lang="en-US" smtClean="0"/>
-              <a:t>8/26/21</a:t>
+              <a:t>8/27/21</a:t>
             </a:fld>
             <a:endParaRPr lang="en-US"/>
           </a:p>
@@ -1970,7 +1959,7 @@
           <a:p>
             <a:fld id="{D3AE09B4-90D0-1245-B83D-B1B2932963E4}" type="datetimeFigureOut">
               <a:rPr lang="en-US" smtClean="0"/>
-              <a:t>8/26/21</a:t>
+              <a:t>8/27/21</a:t>
             </a:fld>
             <a:endParaRPr lang="en-US"/>
           </a:p>
@@ -2140,7 +2129,7 @@
           <a:p>
             <a:fld id="{D3AE09B4-90D0-1245-B83D-B1B2932963E4}" type="datetimeFigureOut">
               <a:rPr lang="en-US" smtClean="0"/>
-              <a:t>8/26/21</a:t>
+              <a:t>8/27/21</a:t>
             </a:fld>
             <a:endParaRPr lang="en-US"/>
           </a:p>
@@ -2386,7 +2375,7 @@
           <a:p>
             <a:fld id="{D3AE09B4-90D0-1245-B83D-B1B2932963E4}" type="datetimeFigureOut">
               <a:rPr lang="en-US" smtClean="0"/>
-              <a:t>8/26/21</a:t>
+              <a:t>8/27/21</a:t>
             </a:fld>
             <a:endParaRPr lang="en-US"/>
           </a:p>
@@ -2674,7 +2663,7 @@
           <a:p>
             <a:fld id="{D3AE09B4-90D0-1245-B83D-B1B2932963E4}" type="datetimeFigureOut">
               <a:rPr lang="en-US" smtClean="0"/>
-              <a:t>8/26/21</a:t>
+              <a:t>8/27/21</a:t>
             </a:fld>
             <a:endParaRPr lang="en-US"/>
           </a:p>
@@ -3096,7 +3085,7 @@
           <a:p>
             <a:fld id="{D3AE09B4-90D0-1245-B83D-B1B2932963E4}" type="datetimeFigureOut">
               <a:rPr lang="en-US" smtClean="0"/>
-              <a:t>8/26/21</a:t>
+              <a:t>8/27/21</a:t>
             </a:fld>
             <a:endParaRPr lang="en-US"/>
           </a:p>
@@ -3214,7 +3203,7 @@
           <a:p>
             <a:fld id="{D3AE09B4-90D0-1245-B83D-B1B2932963E4}" type="datetimeFigureOut">
               <a:rPr lang="en-US" smtClean="0"/>
-              <a:t>8/26/21</a:t>
+              <a:t>8/27/21</a:t>
             </a:fld>
             <a:endParaRPr lang="en-US"/>
           </a:p>
@@ -3309,7 +3298,7 @@
           <a:p>
             <a:fld id="{D3AE09B4-90D0-1245-B83D-B1B2932963E4}" type="datetimeFigureOut">
               <a:rPr lang="en-US" smtClean="0"/>
-              <a:t>8/26/21</a:t>
+              <a:t>8/27/21</a:t>
             </a:fld>
             <a:endParaRPr lang="en-US"/>
           </a:p>
@@ -3586,7 +3575,7 @@
           <a:p>
             <a:fld id="{D3AE09B4-90D0-1245-B83D-B1B2932963E4}" type="datetimeFigureOut">
               <a:rPr lang="en-US" smtClean="0"/>
-              <a:t>8/26/21</a:t>
+              <a:t>8/27/21</a:t>
             </a:fld>
             <a:endParaRPr lang="en-US"/>
           </a:p>
@@ -3839,7 +3828,7 @@
           <a:p>
             <a:fld id="{D3AE09B4-90D0-1245-B83D-B1B2932963E4}" type="datetimeFigureOut">
               <a:rPr lang="en-US" smtClean="0"/>
-              <a:t>8/26/21</a:t>
+              <a:t>8/27/21</a:t>
             </a:fld>
             <a:endParaRPr lang="en-US"/>
           </a:p>
@@ -4050,7 +4039,7 @@
           <a:p>
             <a:fld id="{D3AE09B4-90D0-1245-B83D-B1B2932963E4}" type="datetimeFigureOut">
               <a:rPr lang="en-US" smtClean="0"/>
-              <a:t>8/26/21</a:t>
+              <a:t>8/27/21</a:t>
             </a:fld>
             <a:endParaRPr lang="en-US"/>
           </a:p>
